--- a/Lesson_01.pptx
+++ b/Lesson_01.pptx
@@ -5,15 +5,20 @@
     <p:sldMasterId id="2147483648" r:id="rId1"/>
   </p:sldMasterIdLst>
   <p:notesMasterIdLst>
-    <p:notesMasterId r:id="rId8"/>
+    <p:notesMasterId r:id="rId13"/>
   </p:notesMasterIdLst>
   <p:sldIdLst>
     <p:sldId id="256" r:id="rId2"/>
     <p:sldId id="258" r:id="rId3"/>
     <p:sldId id="259" r:id="rId4"/>
-    <p:sldId id="260" r:id="rId5"/>
-    <p:sldId id="261" r:id="rId6"/>
-    <p:sldId id="257" r:id="rId7"/>
+    <p:sldId id="265" r:id="rId5"/>
+    <p:sldId id="266" r:id="rId6"/>
+    <p:sldId id="260" r:id="rId7"/>
+    <p:sldId id="261" r:id="rId8"/>
+    <p:sldId id="263" r:id="rId9"/>
+    <p:sldId id="262" r:id="rId10"/>
+    <p:sldId id="264" r:id="rId11"/>
+    <p:sldId id="257" r:id="rId12"/>
   </p:sldIdLst>
   <p:sldSz cx="12192000" cy="6858000"/>
   <p:notesSz cx="6858000" cy="9144000"/>
@@ -202,7 +207,7 @@
           <a:p>
             <a:fld id="{9A70A821-E9DD-4730-AB40-4CC6AF54F9B6}" type="datetimeFigureOut">
               <a:rPr lang="en-US" smtClean="0"/>
-              <a:t>25-Sep-16</a:t>
+              <a:t>10/7/2016</a:t>
             </a:fld>
             <a:endParaRPr lang="en-US"/>
           </a:p>
@@ -735,7 +740,7 @@
           <a:p>
             <a:fld id="{2ABEE6D2-2021-4118-8397-398A2B587FCE}" type="slidenum">
               <a:rPr lang="en-US" smtClean="0"/>
-              <a:t>6</a:t>
+              <a:t>11</a:t>
             </a:fld>
             <a:endParaRPr lang="en-US"/>
           </a:p>
@@ -883,7 +888,7 @@
           <a:p>
             <a:fld id="{78DC5870-B39B-4748-958A-F1D1C2EDFF50}" type="datetimeFigureOut">
               <a:rPr lang="en-US" smtClean="0"/>
-              <a:t>25-Sep-16</a:t>
+              <a:t>10/7/2016</a:t>
             </a:fld>
             <a:endParaRPr lang="en-US"/>
           </a:p>
@@ -1051,7 +1056,7 @@
           <a:p>
             <a:fld id="{78DC5870-B39B-4748-958A-F1D1C2EDFF50}" type="datetimeFigureOut">
               <a:rPr lang="en-US" smtClean="0"/>
-              <a:t>25-Sep-16</a:t>
+              <a:t>10/7/2016</a:t>
             </a:fld>
             <a:endParaRPr lang="en-US"/>
           </a:p>
@@ -1229,7 +1234,7 @@
           <a:p>
             <a:fld id="{78DC5870-B39B-4748-958A-F1D1C2EDFF50}" type="datetimeFigureOut">
               <a:rPr lang="en-US" smtClean="0"/>
-              <a:t>25-Sep-16</a:t>
+              <a:t>10/7/2016</a:t>
             </a:fld>
             <a:endParaRPr lang="en-US"/>
           </a:p>
@@ -1397,7 +1402,7 @@
           <a:p>
             <a:fld id="{78DC5870-B39B-4748-958A-F1D1C2EDFF50}" type="datetimeFigureOut">
               <a:rPr lang="en-US" smtClean="0"/>
-              <a:t>25-Sep-16</a:t>
+              <a:t>10/7/2016</a:t>
             </a:fld>
             <a:endParaRPr lang="en-US"/>
           </a:p>
@@ -1642,7 +1647,7 @@
           <a:p>
             <a:fld id="{78DC5870-B39B-4748-958A-F1D1C2EDFF50}" type="datetimeFigureOut">
               <a:rPr lang="en-US" smtClean="0"/>
-              <a:t>25-Sep-16</a:t>
+              <a:t>10/7/2016</a:t>
             </a:fld>
             <a:endParaRPr lang="en-US"/>
           </a:p>
@@ -1871,7 +1876,7 @@
           <a:p>
             <a:fld id="{78DC5870-B39B-4748-958A-F1D1C2EDFF50}" type="datetimeFigureOut">
               <a:rPr lang="en-US" smtClean="0"/>
-              <a:t>25-Sep-16</a:t>
+              <a:t>10/7/2016</a:t>
             </a:fld>
             <a:endParaRPr lang="en-US"/>
           </a:p>
@@ -2235,7 +2240,7 @@
           <a:p>
             <a:fld id="{78DC5870-B39B-4748-958A-F1D1C2EDFF50}" type="datetimeFigureOut">
               <a:rPr lang="en-US" smtClean="0"/>
-              <a:t>25-Sep-16</a:t>
+              <a:t>10/7/2016</a:t>
             </a:fld>
             <a:endParaRPr lang="en-US"/>
           </a:p>
@@ -2352,7 +2357,7 @@
           <a:p>
             <a:fld id="{78DC5870-B39B-4748-958A-F1D1C2EDFF50}" type="datetimeFigureOut">
               <a:rPr lang="en-US" smtClean="0"/>
-              <a:t>25-Sep-16</a:t>
+              <a:t>10/7/2016</a:t>
             </a:fld>
             <a:endParaRPr lang="en-US"/>
           </a:p>
@@ -2447,7 +2452,7 @@
           <a:p>
             <a:fld id="{78DC5870-B39B-4748-958A-F1D1C2EDFF50}" type="datetimeFigureOut">
               <a:rPr lang="en-US" smtClean="0"/>
-              <a:t>25-Sep-16</a:t>
+              <a:t>10/7/2016</a:t>
             </a:fld>
             <a:endParaRPr lang="en-US"/>
           </a:p>
@@ -2722,7 +2727,7 @@
           <a:p>
             <a:fld id="{78DC5870-B39B-4748-958A-F1D1C2EDFF50}" type="datetimeFigureOut">
               <a:rPr lang="en-US" smtClean="0"/>
-              <a:t>25-Sep-16</a:t>
+              <a:t>10/7/2016</a:t>
             </a:fld>
             <a:endParaRPr lang="en-US"/>
           </a:p>
@@ -2974,7 +2979,7 @@
           <a:p>
             <a:fld id="{78DC5870-B39B-4748-958A-F1D1C2EDFF50}" type="datetimeFigureOut">
               <a:rPr lang="en-US" smtClean="0"/>
-              <a:t>25-Sep-16</a:t>
+              <a:t>10/7/2016</a:t>
             </a:fld>
             <a:endParaRPr lang="en-US"/>
           </a:p>
@@ -3185,7 +3190,7 @@
           <a:p>
             <a:fld id="{78DC5870-B39B-4748-958A-F1D1C2EDFF50}" type="datetimeFigureOut">
               <a:rPr lang="en-US" smtClean="0"/>
-              <a:t>25-Sep-16</a:t>
+              <a:t>10/7/2016</a:t>
             </a:fld>
             <a:endParaRPr lang="en-US"/>
           </a:p>
@@ -3685,6 +3690,199 @@
 </p:sld>
 </file>
 
+<file path=ppt/slides/slide10.xml><?xml version="1.0" encoding="utf-8"?>
+<p:sld xmlns:a="http://schemas.openxmlformats.org/drawingml/2006/main" xmlns:r="http://schemas.openxmlformats.org/officeDocument/2006/relationships" xmlns:p="http://schemas.openxmlformats.org/presentationml/2006/main">
+  <p:cSld>
+    <p:spTree>
+      <p:nvGrpSpPr>
+        <p:cNvPr id="1" name=""/>
+        <p:cNvGrpSpPr/>
+        <p:nvPr/>
+      </p:nvGrpSpPr>
+      <p:grpSpPr>
+        <a:xfrm>
+          <a:off x="0" y="0"/>
+          <a:ext cx="0" cy="0"/>
+          <a:chOff x="0" y="0"/>
+          <a:chExt cx="0" cy="0"/>
+        </a:xfrm>
+      </p:grpSpPr>
+      <p:sp>
+        <p:nvSpPr>
+          <p:cNvPr id="2" name="Title 1"/>
+          <p:cNvSpPr>
+            <a:spLocks noGrp="1"/>
+          </p:cNvSpPr>
+          <p:nvPr>
+            <p:ph type="title"/>
+          </p:nvPr>
+        </p:nvSpPr>
+        <p:spPr/>
+        <p:txBody>
+          <a:bodyPr/>
+          <a:lstStyle/>
+          <a:p>
+            <a:r>
+              <a:rPr lang="en-US" dirty="0" err="1" smtClean="0"/>
+              <a:t>Github</a:t>
+            </a:r>
+            <a:endParaRPr lang="en-US" dirty="0"/>
+          </a:p>
+        </p:txBody>
+      </p:sp>
+      <p:sp>
+        <p:nvSpPr>
+          <p:cNvPr id="3" name="Content Placeholder 2"/>
+          <p:cNvSpPr>
+            <a:spLocks noGrp="1"/>
+          </p:cNvSpPr>
+          <p:nvPr>
+            <p:ph idx="1"/>
+          </p:nvPr>
+        </p:nvSpPr>
+        <p:spPr/>
+        <p:txBody>
+          <a:bodyPr>
+            <a:normAutofit/>
+          </a:bodyPr>
+          <a:lstStyle/>
+          <a:p>
+            <a:r>
+              <a:rPr lang="el-GR" sz="3200" dirty="0" smtClean="0"/>
+              <a:t>Όλοι πρέπει να έχουν λογαριασμό</a:t>
+            </a:r>
+          </a:p>
+          <a:p>
+            <a:r>
+              <a:rPr lang="el-GR" sz="3200" dirty="0" smtClean="0"/>
+              <a:t>Η βάση του κώδικα για όλα τα μαθήματα</a:t>
+            </a:r>
+          </a:p>
+          <a:p>
+            <a:r>
+              <a:rPr lang="el-GR" sz="3200" dirty="0" smtClean="0"/>
+              <a:t>Εκεί θα αποστέλλονται οι εργασίες</a:t>
+            </a:r>
+            <a:endParaRPr lang="en-US" sz="3200" dirty="0"/>
+          </a:p>
+        </p:txBody>
+      </p:sp>
+    </p:spTree>
+    <p:extLst>
+      <p:ext uri="{BB962C8B-B14F-4D97-AF65-F5344CB8AC3E}">
+        <p14:creationId xmlns:p14="http://schemas.microsoft.com/office/powerpoint/2010/main" val="2536754083"/>
+      </p:ext>
+    </p:extLst>
+  </p:cSld>
+  <p:clrMapOvr>
+    <a:masterClrMapping/>
+  </p:clrMapOvr>
+</p:sld>
+</file>
+
+<file path=ppt/slides/slide11.xml><?xml version="1.0" encoding="utf-8"?>
+<p:sld xmlns:a="http://schemas.openxmlformats.org/drawingml/2006/main" xmlns:r="http://schemas.openxmlformats.org/officeDocument/2006/relationships" xmlns:p="http://schemas.openxmlformats.org/presentationml/2006/main" show="0">
+  <p:cSld>
+    <p:spTree>
+      <p:nvGrpSpPr>
+        <p:cNvPr id="1" name=""/>
+        <p:cNvGrpSpPr/>
+        <p:nvPr/>
+      </p:nvGrpSpPr>
+      <p:grpSpPr>
+        <a:xfrm>
+          <a:off x="0" y="0"/>
+          <a:ext cx="0" cy="0"/>
+          <a:chOff x="0" y="0"/>
+          <a:chExt cx="0" cy="0"/>
+        </a:xfrm>
+      </p:grpSpPr>
+      <p:sp>
+        <p:nvSpPr>
+          <p:cNvPr id="2" name="Title 1"/>
+          <p:cNvSpPr>
+            <a:spLocks noGrp="1"/>
+          </p:cNvSpPr>
+          <p:nvPr>
+            <p:ph type="title"/>
+          </p:nvPr>
+        </p:nvSpPr>
+        <p:spPr/>
+        <p:txBody>
+          <a:bodyPr/>
+          <a:lstStyle/>
+          <a:p>
+            <a:r>
+              <a:rPr lang="en-US" dirty="0"/>
+              <a:t>Activity Lifecycle</a:t>
+            </a:r>
+          </a:p>
+        </p:txBody>
+      </p:sp>
+      <p:pic>
+        <p:nvPicPr>
+          <p:cNvPr id="1026" name="Picture 2" descr="https://developer.android.com/images/training/basics/basic-lifecycle.png"/>
+          <p:cNvPicPr>
+            <a:picLocks noGrp="1" noChangeAspect="1" noChangeArrowheads="1"/>
+          </p:cNvPicPr>
+          <p:nvPr>
+            <p:ph idx="1"/>
+          </p:nvPr>
+        </p:nvPicPr>
+        <p:blipFill>
+          <a:blip r:embed="rId3">
+            <a:extLst>
+              <a:ext uri="{28A0092B-C50C-407E-A947-70E740481C1C}">
+                <a14:useLocalDpi xmlns:a14="http://schemas.microsoft.com/office/drawing/2010/main" val="0"/>
+              </a:ext>
+            </a:extLst>
+          </a:blip>
+          <a:srcRect/>
+          <a:stretch>
+            <a:fillRect/>
+          </a:stretch>
+        </p:blipFill>
+        <p:spPr bwMode="auto">
+          <a:xfrm>
+            <a:off x="1765503" y="2035680"/>
+            <a:ext cx="8406349" cy="3746032"/>
+          </a:xfrm>
+          <a:prstGeom prst="rect">
+            <a:avLst/>
+          </a:prstGeom>
+          <a:noFill/>
+          <a:extLst>
+            <a:ext uri="{909E8E84-426E-40DD-AFC4-6F175D3DCCD1}">
+              <a14:hiddenFill xmlns:a14="http://schemas.microsoft.com/office/drawing/2010/main">
+                <a:solidFill>
+                  <a:srgbClr val="FFFFFF"/>
+                </a:solidFill>
+              </a14:hiddenFill>
+            </a:ext>
+          </a:extLst>
+        </p:spPr>
+      </p:pic>
+    </p:spTree>
+    <p:extLst>
+      <p:ext uri="{BB962C8B-B14F-4D97-AF65-F5344CB8AC3E}">
+        <p14:creationId xmlns:p14="http://schemas.microsoft.com/office/powerpoint/2010/main" val="2863378080"/>
+      </p:ext>
+    </p:extLst>
+  </p:cSld>
+  <p:clrMapOvr>
+    <a:masterClrMapping/>
+  </p:clrMapOvr>
+  <mc:AlternateContent xmlns:mc="http://schemas.openxmlformats.org/markup-compatibility/2006">
+    <mc:Choice xmlns:p14="http://schemas.microsoft.com/office/powerpoint/2010/main" Requires="p14">
+      <p:transition spd="slow" p14:dur="2000"/>
+    </mc:Choice>
+    <mc:Fallback>
+      <p:transition spd="slow"/>
+    </mc:Fallback>
+  </mc:AlternateContent>
+</p:sld>
+</file>
+
 <file path=ppt/slides/slide2.xml><?xml version="1.0" encoding="utf-8"?>
 <p:sld xmlns:a="http://schemas.openxmlformats.org/drawingml/2006/main" xmlns:r="http://schemas.openxmlformats.org/officeDocument/2006/relationships" xmlns:p="http://schemas.openxmlformats.org/presentationml/2006/main">
   <p:cSld>
@@ -3777,21 +3975,38 @@
           </a:p>
           <a:p>
             <a:r>
+              <a:rPr lang="en-US" sz="3600" dirty="0" smtClean="0"/>
+              <a:t>50 % -&gt; </a:t>
+            </a:r>
+            <a:r>
+              <a:rPr lang="el-GR" sz="3600" dirty="0" smtClean="0"/>
+              <a:t>Εξετάσεις </a:t>
+            </a:r>
+            <a:r>
               <a:rPr lang="el-GR" sz="3600" dirty="0"/>
-              <a:t>Εξετάσεις σε υπολογιστές</a:t>
+              <a:t>σε υπολογιστές</a:t>
             </a:r>
             <a:endParaRPr lang="en-US" sz="3600" dirty="0"/>
           </a:p>
           <a:p>
             <a:r>
+              <a:rPr lang="en-US" sz="3600" dirty="0" smtClean="0"/>
+              <a:t>50% -&gt;</a:t>
+            </a:r>
+            <a:r>
+              <a:rPr lang="el-GR" sz="3600" dirty="0" smtClean="0"/>
+              <a:t> Ομαδική Εργασία </a:t>
+            </a:r>
+            <a:endParaRPr lang="en-US" sz="3600" dirty="0" smtClean="0"/>
+          </a:p>
+          <a:p>
+            <a:r>
+              <a:rPr lang="el-GR" sz="3600" dirty="0" smtClean="0"/>
+              <a:t>Αυστηρή </a:t>
+            </a:r>
+            <a:r>
               <a:rPr lang="el-GR" sz="3600" dirty="0"/>
-              <a:t>Εργασία (προαιρετική)</a:t>
-            </a:r>
-          </a:p>
-          <a:p>
-            <a:r>
-              <a:rPr lang="el-GR" sz="3600" dirty="0"/>
-              <a:t>Αυστηρή χρήση </a:t>
+              <a:t>χρήση </a:t>
             </a:r>
             <a:r>
               <a:rPr lang="en-US" sz="3600" dirty="0"/>
@@ -3975,6 +4190,212 @@
 </file>
 
 <file path=ppt/slides/slide4.xml><?xml version="1.0" encoding="utf-8"?>
+<p:sld xmlns:a="http://schemas.openxmlformats.org/drawingml/2006/main" xmlns:r="http://schemas.openxmlformats.org/officeDocument/2006/relationships" xmlns:p="http://schemas.openxmlformats.org/presentationml/2006/main">
+  <p:cSld>
+    <p:spTree>
+      <p:nvGrpSpPr>
+        <p:cNvPr id="1" name=""/>
+        <p:cNvGrpSpPr/>
+        <p:nvPr/>
+      </p:nvGrpSpPr>
+      <p:grpSpPr>
+        <a:xfrm>
+          <a:off x="0" y="0"/>
+          <a:ext cx="0" cy="0"/>
+          <a:chOff x="0" y="0"/>
+          <a:chExt cx="0" cy="0"/>
+        </a:xfrm>
+      </p:grpSpPr>
+      <p:sp>
+        <p:nvSpPr>
+          <p:cNvPr id="2" name="Title 1"/>
+          <p:cNvSpPr>
+            <a:spLocks noGrp="1"/>
+          </p:cNvSpPr>
+          <p:nvPr>
+            <p:ph type="title"/>
+          </p:nvPr>
+        </p:nvSpPr>
+        <p:spPr/>
+        <p:txBody>
+          <a:bodyPr/>
+          <a:lstStyle/>
+          <a:p>
+            <a:endParaRPr lang="en-US"/>
+          </a:p>
+        </p:txBody>
+      </p:sp>
+      <p:sp>
+        <p:nvSpPr>
+          <p:cNvPr id="3" name="Content Placeholder 2"/>
+          <p:cNvSpPr>
+            <a:spLocks noGrp="1"/>
+          </p:cNvSpPr>
+          <p:nvPr>
+            <p:ph idx="1"/>
+          </p:nvPr>
+        </p:nvSpPr>
+        <p:spPr/>
+        <p:txBody>
+          <a:bodyPr/>
+          <a:lstStyle/>
+          <a:p>
+            <a:endParaRPr lang="en-US"/>
+          </a:p>
+        </p:txBody>
+      </p:sp>
+      <p:pic>
+        <p:nvPicPr>
+          <p:cNvPr id="4" name="Picture 3"/>
+          <p:cNvPicPr/>
+          <p:nvPr/>
+        </p:nvPicPr>
+        <p:blipFill>
+          <a:blip r:embed="rId2">
+            <a:extLst>
+              <a:ext uri="{28A0092B-C50C-407E-A947-70E740481C1C}">
+                <a14:useLocalDpi xmlns:a14="http://schemas.microsoft.com/office/drawing/2010/main" val="0"/>
+              </a:ext>
+            </a:extLst>
+          </a:blip>
+          <a:srcRect/>
+          <a:stretch>
+            <a:fillRect/>
+          </a:stretch>
+        </p:blipFill>
+        <p:spPr bwMode="auto">
+          <a:xfrm>
+            <a:off x="838200" y="243605"/>
+            <a:ext cx="10499040" cy="6614395"/>
+          </a:xfrm>
+          <a:prstGeom prst="rect">
+            <a:avLst/>
+          </a:prstGeom>
+          <a:solidFill>
+            <a:srgbClr val="FFFFFF"/>
+          </a:solidFill>
+          <a:ln>
+            <a:noFill/>
+          </a:ln>
+        </p:spPr>
+      </p:pic>
+    </p:spTree>
+    <p:extLst>
+      <p:ext uri="{BB962C8B-B14F-4D97-AF65-F5344CB8AC3E}">
+        <p14:creationId xmlns:p14="http://schemas.microsoft.com/office/powerpoint/2010/main" val="3672316181"/>
+      </p:ext>
+    </p:extLst>
+  </p:cSld>
+  <p:clrMapOvr>
+    <a:masterClrMapping/>
+  </p:clrMapOvr>
+</p:sld>
+</file>
+
+<file path=ppt/slides/slide5.xml><?xml version="1.0" encoding="utf-8"?>
+<p:sld xmlns:a="http://schemas.openxmlformats.org/drawingml/2006/main" xmlns:r="http://schemas.openxmlformats.org/officeDocument/2006/relationships" xmlns:p="http://schemas.openxmlformats.org/presentationml/2006/main">
+  <p:cSld>
+    <p:spTree>
+      <p:nvGrpSpPr>
+        <p:cNvPr id="1" name=""/>
+        <p:cNvGrpSpPr/>
+        <p:nvPr/>
+      </p:nvGrpSpPr>
+      <p:grpSpPr>
+        <a:xfrm>
+          <a:off x="0" y="0"/>
+          <a:ext cx="0" cy="0"/>
+          <a:chOff x="0" y="0"/>
+          <a:chExt cx="0" cy="0"/>
+        </a:xfrm>
+      </p:grpSpPr>
+      <p:sp>
+        <p:nvSpPr>
+          <p:cNvPr id="2" name="Title 1"/>
+          <p:cNvSpPr>
+            <a:spLocks noGrp="1"/>
+          </p:cNvSpPr>
+          <p:nvPr>
+            <p:ph type="title"/>
+          </p:nvPr>
+        </p:nvSpPr>
+        <p:spPr/>
+        <p:txBody>
+          <a:bodyPr/>
+          <a:lstStyle/>
+          <a:p>
+            <a:endParaRPr lang="en-US"/>
+          </a:p>
+        </p:txBody>
+      </p:sp>
+      <p:sp>
+        <p:nvSpPr>
+          <p:cNvPr id="3" name="Content Placeholder 2"/>
+          <p:cNvSpPr>
+            <a:spLocks noGrp="1"/>
+          </p:cNvSpPr>
+          <p:nvPr>
+            <p:ph idx="1"/>
+          </p:nvPr>
+        </p:nvSpPr>
+        <p:spPr/>
+        <p:txBody>
+          <a:bodyPr/>
+          <a:lstStyle/>
+          <a:p>
+            <a:endParaRPr lang="en-US"/>
+          </a:p>
+        </p:txBody>
+      </p:sp>
+      <p:pic>
+        <p:nvPicPr>
+          <p:cNvPr id="4" name="Picture 3"/>
+          <p:cNvPicPr/>
+          <p:nvPr/>
+        </p:nvPicPr>
+        <p:blipFill>
+          <a:blip r:embed="rId2">
+            <a:extLst>
+              <a:ext uri="{28A0092B-C50C-407E-A947-70E740481C1C}">
+                <a14:useLocalDpi xmlns:a14="http://schemas.microsoft.com/office/drawing/2010/main" val="0"/>
+              </a:ext>
+            </a:extLst>
+          </a:blip>
+          <a:srcRect/>
+          <a:stretch>
+            <a:fillRect/>
+          </a:stretch>
+        </p:blipFill>
+        <p:spPr bwMode="auto">
+          <a:xfrm>
+            <a:off x="348288" y="201960"/>
+            <a:ext cx="11322504" cy="6290280"/>
+          </a:xfrm>
+          <a:prstGeom prst="rect">
+            <a:avLst/>
+          </a:prstGeom>
+          <a:solidFill>
+            <a:srgbClr val="FFFFFF"/>
+          </a:solidFill>
+          <a:ln>
+            <a:noFill/>
+          </a:ln>
+        </p:spPr>
+      </p:pic>
+    </p:spTree>
+    <p:extLst>
+      <p:ext uri="{BB962C8B-B14F-4D97-AF65-F5344CB8AC3E}">
+        <p14:creationId xmlns:p14="http://schemas.microsoft.com/office/powerpoint/2010/main" val="1670049220"/>
+      </p:ext>
+    </p:extLst>
+  </p:cSld>
+  <p:clrMapOvr>
+    <a:masterClrMapping/>
+  </p:clrMapOvr>
+</p:sld>
+</file>
+
+<file path=ppt/slides/slide6.xml><?xml version="1.0" encoding="utf-8"?>
 <p:sld xmlns:a="http://schemas.openxmlformats.org/drawingml/2006/main" xmlns:r="http://schemas.openxmlformats.org/officeDocument/2006/relationships" xmlns:p="http://schemas.openxmlformats.org/presentationml/2006/main">
   <p:cSld>
     <p:spTree>
@@ -4116,7 +4537,7 @@
           <p:nvPr/>
         </p:nvPicPr>
         <p:blipFill>
-          <a:blip r:embed="rId2">
+          <a:blip r:embed="rId2" cstate="print">
             <a:extLst>
               <a:ext uri="{28A0092B-C50C-407E-A947-70E740481C1C}">
                 <a14:useLocalDpi xmlns:a14="http://schemas.microsoft.com/office/drawing/2010/main" val="0"/>
@@ -4202,7 +4623,7 @@
 </p:sld>
 </file>
 
-<file path=ppt/slides/slide5.xml><?xml version="1.0" encoding="utf-8"?>
+<file path=ppt/slides/slide7.xml><?xml version="1.0" encoding="utf-8"?>
 <p:sld xmlns:a="http://schemas.openxmlformats.org/drawingml/2006/main" xmlns:r="http://schemas.openxmlformats.org/officeDocument/2006/relationships" xmlns:p="http://schemas.openxmlformats.org/presentationml/2006/main">
   <p:cSld>
     <p:spTree>
@@ -4325,7 +4746,7 @@
 </p:sld>
 </file>
 
-<file path=ppt/slides/slide6.xml><?xml version="1.0" encoding="utf-8"?>
+<file path=ppt/slides/slide8.xml><?xml version="1.0" encoding="utf-8"?>
 <p:sld xmlns:a="http://schemas.openxmlformats.org/drawingml/2006/main" xmlns:r="http://schemas.openxmlformats.org/officeDocument/2006/relationships" xmlns:p="http://schemas.openxmlformats.org/presentationml/2006/main">
   <p:cSld>
     <p:spTree>
@@ -4358,24 +4779,104 @@
           <a:lstStyle/>
           <a:p>
             <a:r>
-              <a:rPr lang="en-US" dirty="0"/>
-              <a:t>Activity Lifecycle</a:t>
-            </a:r>
+              <a:rPr lang="en-US" dirty="0" smtClean="0"/>
+              <a:t>Git work flow	</a:t>
+            </a:r>
+            <a:endParaRPr lang="en-US" dirty="0"/>
+          </a:p>
+        </p:txBody>
+      </p:sp>
+      <p:sp>
+        <p:nvSpPr>
+          <p:cNvPr id="3" name="Content Placeholder 2"/>
+          <p:cNvSpPr>
+            <a:spLocks noGrp="1"/>
+          </p:cNvSpPr>
+          <p:nvPr>
+            <p:ph idx="1"/>
+          </p:nvPr>
+        </p:nvSpPr>
+        <p:spPr>
+          <a:xfrm>
+            <a:off x="367665" y="1874838"/>
+            <a:ext cx="10515600" cy="4351338"/>
+          </a:xfrm>
+        </p:spPr>
+        <p:txBody>
+          <a:bodyPr/>
+          <a:lstStyle/>
+          <a:p>
+            <a:r>
+              <a:rPr lang="en-US" dirty="0" smtClean="0"/>
+              <a:t>Initialize </a:t>
+            </a:r>
+            <a:r>
+              <a:rPr lang="en-US" dirty="0" err="1" smtClean="0"/>
+              <a:t>git</a:t>
+            </a:r>
+            <a:r>
+              <a:rPr lang="en-US" dirty="0" smtClean="0"/>
+              <a:t> repository</a:t>
+            </a:r>
+          </a:p>
+          <a:p>
+            <a:pPr marL="514350" indent="-514350">
+              <a:buFont typeface="+mj-lt"/>
+              <a:buAutoNum type="arabicPeriod"/>
+            </a:pPr>
+            <a:r>
+              <a:rPr lang="en-US" dirty="0" smtClean="0"/>
+              <a:t>Work locally</a:t>
+            </a:r>
+          </a:p>
+          <a:p>
+            <a:pPr marL="514350" indent="-514350">
+              <a:buFont typeface="+mj-lt"/>
+              <a:buAutoNum type="arabicPeriod"/>
+            </a:pPr>
+            <a:r>
+              <a:rPr lang="en-US" dirty="0" smtClean="0"/>
+              <a:t>Add / edit files</a:t>
+            </a:r>
+          </a:p>
+          <a:p>
+            <a:pPr marL="514350" indent="-514350">
+              <a:buFont typeface="+mj-lt"/>
+              <a:buAutoNum type="arabicPeriod"/>
+            </a:pPr>
+            <a:r>
+              <a:rPr lang="en-US" dirty="0" smtClean="0"/>
+              <a:t>Commit changes</a:t>
+            </a:r>
+          </a:p>
+          <a:p>
+            <a:pPr marL="514350" indent="-514350">
+              <a:buFont typeface="+mj-lt"/>
+              <a:buAutoNum type="arabicPeriod"/>
+            </a:pPr>
+            <a:r>
+              <a:rPr lang="en-US" dirty="0" smtClean="0"/>
+              <a:t>PUSH changes to remote</a:t>
+            </a:r>
+          </a:p>
+          <a:p>
+            <a:endParaRPr lang="en-US" dirty="0" smtClean="0"/>
+          </a:p>
+          <a:p>
+            <a:endParaRPr lang="en-US" dirty="0"/>
           </a:p>
         </p:txBody>
       </p:sp>
       <p:pic>
         <p:nvPicPr>
-          <p:cNvPr id="1026" name="Picture 2" descr="https://developer.android.com/images/training/basics/basic-lifecycle.png"/>
+          <p:cNvPr id="1026" name="Picture 2" descr="Image result for git workflow commit push"/>
           <p:cNvPicPr>
-            <a:picLocks noGrp="1" noChangeAspect="1" noChangeArrowheads="1"/>
+            <a:picLocks noChangeAspect="1" noChangeArrowheads="1"/>
           </p:cNvPicPr>
-          <p:nvPr>
-            <p:ph idx="1"/>
-          </p:nvPr>
+          <p:nvPr/>
         </p:nvPicPr>
         <p:blipFill>
-          <a:blip r:embed="rId3">
+          <a:blip r:embed="rId2">
             <a:extLst>
               <a:ext uri="{28A0092B-C50C-407E-A947-70E740481C1C}">
                 <a14:useLocalDpi xmlns:a14="http://schemas.microsoft.com/office/drawing/2010/main" val="0"/>
@@ -4389,8 +4890,8 @@
         </p:blipFill>
         <p:spPr bwMode="auto">
           <a:xfrm>
-            <a:off x="1765503" y="2035680"/>
-            <a:ext cx="8406349" cy="3746032"/>
+            <a:off x="4656455" y="617538"/>
+            <a:ext cx="7029450" cy="5762625"/>
           </a:xfrm>
           <a:prstGeom prst="rect">
             <a:avLst/>
@@ -4407,10 +4908,142 @@
           </a:extLst>
         </p:spPr>
       </p:pic>
+      <p:sp>
+        <p:nvSpPr>
+          <p:cNvPr id="4" name="Cloud 3"/>
+          <p:cNvSpPr/>
+          <p:nvPr/>
+        </p:nvSpPr>
+        <p:spPr>
+          <a:xfrm>
+            <a:off x="9296400" y="254000"/>
+            <a:ext cx="2621280" cy="1991360"/>
+          </a:xfrm>
+          <a:prstGeom prst="cloud">
+            <a:avLst/>
+          </a:prstGeom>
+          <a:noFill/>
+          <a:ln w="28575">
+            <a:solidFill>
+              <a:schemeClr val="accent1"/>
+            </a:solidFill>
+          </a:ln>
+        </p:spPr>
+        <p:style>
+          <a:lnRef idx="2">
+            <a:schemeClr val="accent1">
+              <a:shade val="50000"/>
+            </a:schemeClr>
+          </a:lnRef>
+          <a:fillRef idx="1">
+            <a:schemeClr val="accent1"/>
+          </a:fillRef>
+          <a:effectRef idx="0">
+            <a:schemeClr val="accent1"/>
+          </a:effectRef>
+          <a:fontRef idx="minor">
+            <a:schemeClr val="lt1"/>
+          </a:fontRef>
+        </p:style>
+        <p:txBody>
+          <a:bodyPr rtlCol="0" anchor="ctr"/>
+          <a:lstStyle/>
+          <a:p>
+            <a:pPr algn="ctr"/>
+            <a:endParaRPr lang="en-US"/>
+          </a:p>
+        </p:txBody>
+      </p:sp>
     </p:spTree>
     <p:extLst>
       <p:ext uri="{BB962C8B-B14F-4D97-AF65-F5344CB8AC3E}">
-        <p14:creationId xmlns:p14="http://schemas.microsoft.com/office/powerpoint/2010/main" val="2863378080"/>
+        <p14:creationId xmlns:p14="http://schemas.microsoft.com/office/powerpoint/2010/main" val="1309232802"/>
+      </p:ext>
+    </p:extLst>
+  </p:cSld>
+  <p:clrMapOvr>
+    <a:masterClrMapping/>
+  </p:clrMapOvr>
+</p:sld>
+</file>
+
+<file path=ppt/slides/slide9.xml><?xml version="1.0" encoding="utf-8"?>
+<p:sld xmlns:a="http://schemas.openxmlformats.org/drawingml/2006/main" xmlns:r="http://schemas.openxmlformats.org/officeDocument/2006/relationships" xmlns:p="http://schemas.openxmlformats.org/presentationml/2006/main">
+  <p:cSld>
+    <p:spTree>
+      <p:nvGrpSpPr>
+        <p:cNvPr id="1" name=""/>
+        <p:cNvGrpSpPr/>
+        <p:nvPr/>
+      </p:nvGrpSpPr>
+      <p:grpSpPr>
+        <a:xfrm>
+          <a:off x="0" y="0"/>
+          <a:ext cx="0" cy="0"/>
+          <a:chOff x="0" y="0"/>
+          <a:chExt cx="0" cy="0"/>
+        </a:xfrm>
+      </p:grpSpPr>
+      <p:sp>
+        <p:nvSpPr>
+          <p:cNvPr id="2" name="Title 1"/>
+          <p:cNvSpPr>
+            <a:spLocks noGrp="1"/>
+          </p:cNvSpPr>
+          <p:nvPr>
+            <p:ph type="title"/>
+          </p:nvPr>
+        </p:nvSpPr>
+        <p:spPr/>
+        <p:txBody>
+          <a:bodyPr/>
+          <a:lstStyle/>
+          <a:p>
+            <a:r>
+              <a:rPr lang="en-US" dirty="0" smtClean="0"/>
+              <a:t>Git</a:t>
+            </a:r>
+            <a:endParaRPr lang="en-US" dirty="0"/>
+          </a:p>
+        </p:txBody>
+      </p:sp>
+      <p:pic>
+        <p:nvPicPr>
+          <p:cNvPr id="4" name="Picture 3"/>
+          <p:cNvPicPr/>
+          <p:nvPr/>
+        </p:nvPicPr>
+        <p:blipFill>
+          <a:blip r:embed="rId2">
+            <a:extLst>
+              <a:ext uri="{28A0092B-C50C-407E-A947-70E740481C1C}">
+                <a14:useLocalDpi xmlns:a14="http://schemas.microsoft.com/office/drawing/2010/main" val="0"/>
+              </a:ext>
+            </a:extLst>
+          </a:blip>
+          <a:srcRect/>
+          <a:stretch>
+            <a:fillRect/>
+          </a:stretch>
+        </p:blipFill>
+        <p:spPr bwMode="auto">
+          <a:xfrm>
+            <a:off x="149542" y="1690688"/>
+            <a:ext cx="11948828" cy="3226752"/>
+          </a:xfrm>
+          <a:prstGeom prst="rect">
+            <a:avLst/>
+          </a:prstGeom>
+          <a:noFill/>
+          <a:ln>
+            <a:noFill/>
+          </a:ln>
+        </p:spPr>
+      </p:pic>
+    </p:spTree>
+    <p:extLst>
+      <p:ext uri="{BB962C8B-B14F-4D97-AF65-F5344CB8AC3E}">
+        <p14:creationId xmlns:p14="http://schemas.microsoft.com/office/powerpoint/2010/main" val="3241454731"/>
       </p:ext>
     </p:extLst>
   </p:cSld>
